--- a/0518 network DEA in non-life insurance industry.pptx
+++ b/0518 network DEA in non-life insurance industry.pptx
@@ -3091,42 +3091,6 @@
           <a:chExt cx="0" cy="0"/>
         </a:xfrm>
       </p:grpSpPr>
-      <p:pic>
-        <p:nvPicPr>
-          <p:cNvPr id="6" name="圖片 5">
-            <a:extLst>
-              <a:ext uri="{FF2B5EF4-FFF2-40B4-BE49-F238E27FC236}">
-                <a16:creationId xmlns:a16="http://schemas.microsoft.com/office/drawing/2014/main" id="{B5BECCB0-0DE9-704E-B2A5-D773138864D6}"/>
-              </a:ext>
-            </a:extLst>
-          </p:cNvPr>
-          <p:cNvPicPr>
-            <a:picLocks noChangeAspect="1"/>
-          </p:cNvPicPr>
-          <p:nvPr/>
-        </p:nvPicPr>
-        <p:blipFill>
-          <a:blip r:embed="rId2">
-            <a:extLst>
-              <a:ext uri="{28A0092B-C50C-407E-A947-70E740481C1C}">
-                <a14:useLocalDpi xmlns:a14="http://schemas.microsoft.com/office/drawing/2010/main" val="0"/>
-              </a:ext>
-            </a:extLst>
-          </a:blip>
-          <a:stretch>
-            <a:fillRect/>
-          </a:stretch>
-        </p:blipFill>
-        <p:spPr>
-          <a:xfrm>
-            <a:off x="3488267" y="1694148"/>
-            <a:ext cx="8148576" cy="3738225"/>
-          </a:xfrm>
-          <a:prstGeom prst="rect">
-            <a:avLst/>
-          </a:prstGeom>
-        </p:spPr>
-      </p:pic>
       <p:sp>
         <p:nvSpPr>
           <p:cNvPr id="2" name="投影片編號版面配置區 1">
@@ -3425,7 +3389,7 @@
           <p:nvPr/>
         </p:nvPicPr>
         <p:blipFill>
-          <a:blip r:embed="rId3">
+          <a:blip r:embed="rId2">
             <a:extLst>
               <a:ext uri="{28A0092B-C50C-407E-A947-70E740481C1C}">
                 <a14:useLocalDpi xmlns:a14="http://schemas.microsoft.com/office/drawing/2010/main" val="0"/>
@@ -3439,7 +3403,7 @@
         </p:blipFill>
         <p:spPr bwMode="auto">
           <a:xfrm>
-            <a:off x="8492" y="4203198"/>
+            <a:off x="-216645" y="4405415"/>
             <a:ext cx="5668055" cy="2825911"/>
           </a:xfrm>
           <a:prstGeom prst="rect">
@@ -3455,6 +3419,42 @@
               </a14:hiddenFill>
             </a:ext>
           </a:extLst>
+        </p:spPr>
+      </p:pic>
+      <p:pic>
+        <p:nvPicPr>
+          <p:cNvPr id="6" name="圖片 5">
+            <a:extLst>
+              <a:ext uri="{FF2B5EF4-FFF2-40B4-BE49-F238E27FC236}">
+                <a16:creationId xmlns:a16="http://schemas.microsoft.com/office/drawing/2014/main" id="{B5BECCB0-0DE9-704E-B2A5-D773138864D6}"/>
+              </a:ext>
+            </a:extLst>
+          </p:cNvPr>
+          <p:cNvPicPr>
+            <a:picLocks noChangeAspect="1"/>
+          </p:cNvPicPr>
+          <p:nvPr/>
+        </p:nvPicPr>
+        <p:blipFill>
+          <a:blip r:embed="rId3">
+            <a:extLst>
+              <a:ext uri="{28A0092B-C50C-407E-A947-70E740481C1C}">
+                <a14:useLocalDpi xmlns:a14="http://schemas.microsoft.com/office/drawing/2010/main" val="0"/>
+              </a:ext>
+            </a:extLst>
+          </a:blip>
+          <a:stretch>
+            <a:fillRect/>
+          </a:stretch>
+        </p:blipFill>
+        <p:spPr>
+          <a:xfrm>
+            <a:off x="3488267" y="1694148"/>
+            <a:ext cx="8148576" cy="3738225"/>
+          </a:xfrm>
+          <a:prstGeom prst="rect">
+            <a:avLst/>
+          </a:prstGeom>
         </p:spPr>
       </p:pic>
     </p:spTree>
@@ -10909,6 +10909,9 @@
           <a:prstGeom prst="rect">
             <a:avLst/>
           </a:prstGeom>
+          <a:solidFill>
+            <a:schemeClr val="bg1"/>
+          </a:solidFill>
         </p:spPr>
       </p:pic>
       <p:cxnSp>
